--- a/documents/Music Facts Generator(2).pptx
+++ b/documents/Music Facts Generator(2).pptx
@@ -9341,7 +9341,7 @@
           <a:p>
             <a:r>
               <a:rPr lang="he-IL" dirty="0"/>
-              <a:t>שאילתה לדוגמא:</a:t>
+              <a:t>שאילתות לדוגמא:</a:t>
             </a:r>
           </a:p>
           <a:p>
